--- a/docs/report.pptx
+++ b/docs/report.pptx
@@ -6,7 +6,7 @@
     <p:sldMasterId id="2147483654" r:id="rId2"/>
   </p:sldMasterIdLst>
   <p:handoutMasterIdLst>
-    <p:handoutMasterId r:id="rId11"/>
+    <p:handoutMasterId r:id="rId12"/>
   </p:handoutMasterIdLst>
   <p:sldIdLst>
     <p:sldId id="285" r:id="rId3"/>
@@ -17,6 +17,7 @@
     <p:sldId id="306" r:id="rId8"/>
     <p:sldId id="307" r:id="rId9"/>
     <p:sldId id="308" r:id="rId10"/>
+    <p:sldId id="309" r:id="rId11"/>
   </p:sldIdLst>
   <p:sldSz cx="9144000" cy="5143500" type="screen16x9"/>
   <p:notesSz cx="6858000" cy="9144000"/>
@@ -148,6 +149,18 @@
 </p:presentation>
 </file>
 
+<file path=ppt/commentAuthors.xml><?xml version="1.0" encoding="utf-8"?>
+<p:cmAuthorLst xmlns:a="http://schemas.openxmlformats.org/drawingml/2006/main" xmlns:r="http://schemas.openxmlformats.org/officeDocument/2006/relationships" xmlns:p="http://schemas.openxmlformats.org/presentationml/2006/main">
+  <p:cmAuthor id="1" name="Artoria" initials="A" lastIdx="0" clrIdx="0">
+    <p:extLst>
+      <p:ext uri="{19B8F6BF-5375-455C-9EA6-DF929625EA0E}">
+        <p15:presenceInfo xmlns:p15="http://schemas.microsoft.com/office/powerpoint/2012/main" userId="b248a7b518d819ef" providerId="Windows Live"/>
+      </p:ext>
+    </p:extLst>
+  </p:cmAuthor>
+</p:cmAuthorLst>
+</file>
+
 <file path=ppt/handoutMasters/handoutMaster1.xml><?xml version="1.0" encoding="utf-8"?>
 <p:handoutMaster xmlns:a="http://schemas.openxmlformats.org/drawingml/2006/main" xmlns:r="http://schemas.openxmlformats.org/officeDocument/2006/relationships" xmlns:p="http://schemas.openxmlformats.org/presentationml/2006/main">
   <p:cSld>
@@ -230,7 +243,7 @@
           <a:p>
             <a:fld id="{69452B2B-0BBC-4845-BD5C-6186374697E3}" type="datetimeFigureOut">
               <a:rPr lang="ko-KR" altLang="en-US" smtClean="0"/>
-              <a:t>2022. 1. 5.</a:t>
+              <a:t>2022-01-12</a:t>
             </a:fld>
             <a:endParaRPr lang="ko-KR" altLang="en-US" dirty="0"/>
           </a:p>
@@ -10371,7 +10384,7 @@
                 <a:latin typeface="微軟正黑體" panose="020B0604030504040204" pitchFamily="34" charset="-120"/>
                 <a:ea typeface="微軟正黑體" panose="020B0604030504040204" pitchFamily="34" charset="-120"/>
               </a:rPr>
-              <a:t>功能，輸出遊戲</a:t>
+              <a:t>功能，輸入遊戲</a:t>
             </a:r>
             <a:r>
               <a:rPr lang="en-US" altLang="zh-TW" sz="1400" b="1" dirty="0">
@@ -10480,7 +10493,7 @@
       </p:sp>
       <p:pic>
         <p:nvPicPr>
-          <p:cNvPr id="8" name="圖片 7"/>
+          <p:cNvPr id="34" name="圖片 33"/>
           <p:cNvPicPr>
             <a:picLocks noChangeAspect="1"/>
           </p:cNvPicPr>
@@ -10488,224 +10501,140 @@
         </p:nvPicPr>
         <p:blipFill rotWithShape="1">
           <a:blip r:embed="rId2"/>
-          <a:srcRect l="15487" t="3601" r="3299" b="2154"/>
-          <a:stretch/>
-        </p:blipFill>
-        <p:spPr>
-          <a:xfrm>
-            <a:off x="179512" y="771550"/>
-            <a:ext cx="1872208" cy="2918130"/>
-          </a:xfrm>
-          <a:prstGeom prst="rect">
-            <a:avLst/>
-          </a:prstGeom>
-        </p:spPr>
-      </p:pic>
-      <p:pic>
-        <p:nvPicPr>
-          <p:cNvPr id="34" name="圖片 33"/>
-          <p:cNvPicPr>
-            <a:picLocks noChangeAspect="1"/>
-          </p:cNvPicPr>
-          <p:nvPr/>
-        </p:nvPicPr>
-        <p:blipFill rotWithShape="1">
-          <a:blip r:embed="rId3"/>
           <a:srcRect l="16391" t="1009" r="2256" b="1810"/>
           <a:stretch/>
         </p:blipFill>
         <p:spPr>
           <a:xfrm>
-            <a:off x="2339752" y="771550"/>
-            <a:ext cx="1720443" cy="2989245"/>
+            <a:off x="4961966" y="584146"/>
+            <a:ext cx="1906415" cy="3312368"/>
           </a:xfrm>
           <a:prstGeom prst="rect">
             <a:avLst/>
           </a:prstGeom>
         </p:spPr>
       </p:pic>
-      <p:pic>
-        <p:nvPicPr>
-          <p:cNvPr id="37" name="圖片 36"/>
-          <p:cNvPicPr>
-            <a:picLocks noChangeAspect="1"/>
-          </p:cNvPicPr>
+      <p:grpSp>
+        <p:nvGrpSpPr>
+          <p:cNvPr id="2" name="群組 1">
+            <a:extLst>
+              <a:ext uri="{FF2B5EF4-FFF2-40B4-BE49-F238E27FC236}">
+                <a16:creationId xmlns:a16="http://schemas.microsoft.com/office/drawing/2014/main" id="{CBAE15EE-06F7-4BA3-B2FA-04E22C4DF9D2}"/>
+              </a:ext>
+            </a:extLst>
+          </p:cNvPr>
+          <p:cNvGrpSpPr/>
           <p:nvPr/>
-        </p:nvPicPr>
-        <p:blipFill rotWithShape="1">
-          <a:blip r:embed="rId4"/>
-          <a:srcRect l="18959"/>
-          <a:stretch/>
-        </p:blipFill>
-        <p:spPr>
-          <a:xfrm>
-            <a:off x="4283968" y="771550"/>
-            <a:ext cx="1944216" cy="3023230"/>
-          </a:xfrm>
-          <a:prstGeom prst="rect">
-            <a:avLst/>
-          </a:prstGeom>
-        </p:spPr>
-      </p:pic>
-      <p:pic>
-        <p:nvPicPr>
-          <p:cNvPr id="39" name="圖片 38"/>
-          <p:cNvPicPr>
-            <a:picLocks noChangeAspect="1"/>
-          </p:cNvPicPr>
-          <p:nvPr/>
-        </p:nvPicPr>
-        <p:blipFill>
-          <a:blip r:embed="rId5"/>
-          <a:stretch>
-            <a:fillRect/>
-          </a:stretch>
-        </p:blipFill>
-        <p:spPr>
-          <a:xfrm>
-            <a:off x="6444208" y="1059582"/>
-            <a:ext cx="2567700" cy="2448272"/>
-          </a:xfrm>
-          <a:prstGeom prst="rect">
-            <a:avLst/>
-          </a:prstGeom>
-        </p:spPr>
-      </p:pic>
+        </p:nvGrpSpPr>
+        <p:grpSpPr>
+          <a:xfrm>
+            <a:off x="5148064" y="4020785"/>
+            <a:ext cx="1584176" cy="504056"/>
+            <a:chOff x="2483768" y="4011910"/>
+            <a:chExt cx="1584176" cy="504056"/>
+          </a:xfrm>
+        </p:grpSpPr>
+        <p:sp>
+          <p:nvSpPr>
+            <p:cNvPr id="44" name="Chevron 10"/>
+            <p:cNvSpPr/>
+            <p:nvPr/>
+          </p:nvSpPr>
+          <p:spPr>
+            <a:xfrm>
+              <a:off x="2483768" y="4011910"/>
+              <a:ext cx="1584176" cy="504056"/>
+            </a:xfrm>
+            <a:prstGeom prst="chevron">
+              <a:avLst>
+                <a:gd name="adj" fmla="val 44855"/>
+              </a:avLst>
+            </a:prstGeom>
+            <a:solidFill>
+              <a:schemeClr val="accent5"/>
+            </a:solidFill>
+            <a:ln>
+              <a:noFill/>
+            </a:ln>
+          </p:spPr>
+          <p:style>
+            <a:lnRef idx="0">
+              <a:scrgbClr r="0" g="0" b="0"/>
+            </a:lnRef>
+            <a:fillRef idx="0">
+              <a:scrgbClr r="0" g="0" b="0"/>
+            </a:fillRef>
+            <a:effectRef idx="0">
+              <a:scrgbClr r="0" g="0" b="0"/>
+            </a:effectRef>
+            <a:fontRef idx="minor">
+              <a:schemeClr val="lt1"/>
+            </a:fontRef>
+          </p:style>
+          <p:txBody>
+            <a:bodyPr rot="0" spcFirstLastPara="0" vertOverflow="overflow" horzOverflow="overflow" vert="horz" wrap="square" lIns="91440" tIns="45720" rIns="91440" bIns="45720" numCol="1" spcCol="0" rtlCol="0" fromWordArt="0" anchor="ctr" anchorCtr="0" forceAA="0" compatLnSpc="1">
+              <a:prstTxWarp prst="textNoShape">
+                <a:avLst/>
+              </a:prstTxWarp>
+              <a:noAutofit/>
+            </a:bodyPr>
+            <a:lstStyle/>
+            <a:p>
+              <a:pPr algn="ctr"/>
+              <a:endParaRPr lang="ko-KR" altLang="en-US" dirty="0">
+                <a:solidFill>
+                  <a:schemeClr val="tx1"/>
+                </a:solidFill>
+              </a:endParaRPr>
+            </a:p>
+          </p:txBody>
+        </p:sp>
+        <p:sp>
+          <p:nvSpPr>
+            <p:cNvPr id="46" name="文字方塊 45"/>
+            <p:cNvSpPr txBox="1"/>
+            <p:nvPr/>
+          </p:nvSpPr>
+          <p:spPr>
+            <a:xfrm>
+              <a:off x="2627784" y="4083918"/>
+              <a:ext cx="1296144" cy="307777"/>
+            </a:xfrm>
+            <a:prstGeom prst="rect">
+              <a:avLst/>
+            </a:prstGeom>
+            <a:noFill/>
+          </p:spPr>
+          <p:txBody>
+            <a:bodyPr wrap="square" rtlCol="0">
+              <a:spAutoFit/>
+            </a:bodyPr>
+            <a:lstStyle/>
+            <a:p>
+              <a:r>
+                <a:rPr lang="zh-TW" altLang="en-US" sz="1400" b="1" dirty="0">
+                  <a:solidFill>
+                    <a:schemeClr val="bg1"/>
+                  </a:solidFill>
+                  <a:latin typeface="微軟正黑體" panose="020B0604030504040204" pitchFamily="34" charset="-120"/>
+                  <a:ea typeface="微軟正黑體" panose="020B0604030504040204" pitchFamily="34" charset="-120"/>
+                </a:rPr>
+                <a:t>分析類別選單</a:t>
+              </a:r>
+            </a:p>
+          </p:txBody>
+        </p:sp>
+      </p:grpSp>
       <p:sp>
         <p:nvSpPr>
-          <p:cNvPr id="40" name="Up Arrow 7"/>
+          <p:cNvPr id="47" name="Chevron 10"/>
           <p:cNvSpPr/>
           <p:nvPr/>
         </p:nvSpPr>
         <p:spPr>
-          <a:xfrm rot="5400000">
-            <a:off x="7488324" y="3327834"/>
-            <a:ext cx="936104" cy="1872208"/>
-          </a:xfrm>
-          <a:custGeom>
-            <a:avLst/>
-            <a:gdLst/>
-            <a:ahLst/>
-            <a:cxnLst/>
-            <a:rect l="l" t="t" r="r" b="b"/>
-            <a:pathLst>
-              <a:path w="1552788" h="2015662">
-                <a:moveTo>
-                  <a:pt x="0" y="736643"/>
-                </a:moveTo>
-                <a:lnTo>
-                  <a:pt x="776394" y="0"/>
-                </a:lnTo>
-                <a:lnTo>
-                  <a:pt x="1552788" y="736643"/>
-                </a:lnTo>
-                <a:lnTo>
-                  <a:pt x="1164591" y="736643"/>
-                </a:lnTo>
-                <a:lnTo>
-                  <a:pt x="1164591" y="2015662"/>
-                </a:lnTo>
-                <a:lnTo>
-                  <a:pt x="1162556" y="2015662"/>
-                </a:lnTo>
-                <a:lnTo>
-                  <a:pt x="776394" y="1669237"/>
-                </a:lnTo>
-                <a:lnTo>
-                  <a:pt x="390233" y="2015662"/>
-                </a:lnTo>
-                <a:lnTo>
-                  <a:pt x="388197" y="2015662"/>
-                </a:lnTo>
-                <a:lnTo>
-                  <a:pt x="388197" y="736643"/>
-                </a:lnTo>
-                <a:close/>
-              </a:path>
-            </a:pathLst>
-          </a:custGeom>
-          <a:solidFill>
-            <a:schemeClr val="accent1"/>
-          </a:solidFill>
-          <a:ln>
-            <a:noFill/>
-          </a:ln>
-        </p:spPr>
-        <p:style>
-          <a:lnRef idx="2">
-            <a:schemeClr val="accent1">
-              <a:shade val="50000"/>
-            </a:schemeClr>
-          </a:lnRef>
-          <a:fillRef idx="1">
-            <a:schemeClr val="accent1"/>
-          </a:fillRef>
-          <a:effectRef idx="0">
-            <a:schemeClr val="accent1"/>
-          </a:effectRef>
-          <a:fontRef idx="minor">
-            <a:schemeClr val="lt1"/>
-          </a:fontRef>
-        </p:style>
-        <p:txBody>
-          <a:bodyPr rot="0" spcFirstLastPara="0" vertOverflow="overflow" horzOverflow="overflow" vert="horz" wrap="square" lIns="91440" tIns="45720" rIns="91440" bIns="45720" numCol="1" spcCol="0" rtlCol="0" fromWordArt="0" anchor="ctr" anchorCtr="0" forceAA="0" compatLnSpc="1">
-            <a:prstTxWarp prst="textNoShape">
-              <a:avLst/>
-            </a:prstTxWarp>
-            <a:noAutofit/>
-          </a:bodyPr>
-          <a:lstStyle/>
-          <a:p>
-            <a:pPr algn="ctr"/>
-            <a:endParaRPr lang="ko-KR" altLang="en-US" dirty="0"/>
-          </a:p>
-        </p:txBody>
-      </p:sp>
-      <p:sp>
-        <p:nvSpPr>
-          <p:cNvPr id="41" name="文字方塊 40"/>
-          <p:cNvSpPr txBox="1"/>
-          <p:nvPr/>
-        </p:nvSpPr>
-        <p:spPr>
-          <a:xfrm>
-            <a:off x="7308304" y="4083918"/>
-            <a:ext cx="1440160" cy="307777"/>
-          </a:xfrm>
-          <a:prstGeom prst="rect">
-            <a:avLst/>
-          </a:prstGeom>
-          <a:noFill/>
-        </p:spPr>
-        <p:txBody>
-          <a:bodyPr wrap="square" rtlCol="0">
-            <a:spAutoFit/>
-          </a:bodyPr>
-          <a:lstStyle/>
-          <a:p>
-            <a:r>
-              <a:rPr lang="zh-TW" altLang="en-US" sz="1400" b="1" dirty="0">
-                <a:solidFill>
-                  <a:schemeClr val="bg1"/>
-                </a:solidFill>
-                <a:latin typeface="微軟正黑體" panose="020B0604030504040204" pitchFamily="34" charset="-120"/>
-                <a:ea typeface="微軟正黑體" panose="020B0604030504040204" pitchFamily="34" charset="-120"/>
-              </a:rPr>
-              <a:t>遊戲指標四向圖</a:t>
-            </a:r>
-          </a:p>
-        </p:txBody>
-      </p:sp>
-      <p:sp>
-        <p:nvSpPr>
-          <p:cNvPr id="42" name="Chevron 11"/>
-          <p:cNvSpPr/>
-          <p:nvPr/>
-        </p:nvSpPr>
-        <p:spPr>
-          <a:xfrm>
-            <a:off x="4572000" y="4011910"/>
-            <a:ext cx="1800200" cy="504056"/>
+          <a:xfrm>
+            <a:off x="1259632" y="4012013"/>
+            <a:ext cx="1584176" cy="504056"/>
           </a:xfrm>
           <a:prstGeom prst="chevron">
             <a:avLst>
@@ -10713,99 +10642,7 @@
             </a:avLst>
           </a:prstGeom>
           <a:solidFill>
-            <a:schemeClr val="accent2"/>
-          </a:solidFill>
-          <a:ln>
-            <a:noFill/>
-          </a:ln>
-        </p:spPr>
-        <p:style>
-          <a:lnRef idx="2">
-            <a:schemeClr val="accent1">
-              <a:shade val="50000"/>
-            </a:schemeClr>
-          </a:lnRef>
-          <a:fillRef idx="1">
-            <a:schemeClr val="accent1"/>
-          </a:fillRef>
-          <a:effectRef idx="0">
-            <a:schemeClr val="accent1"/>
-          </a:effectRef>
-          <a:fontRef idx="minor">
-            <a:schemeClr val="lt1"/>
-          </a:fontRef>
-        </p:style>
-        <p:txBody>
-          <a:bodyPr rot="0" spcFirstLastPara="0" vertOverflow="overflow" horzOverflow="overflow" vert="horz" wrap="square" lIns="91440" tIns="45720" rIns="91440" bIns="45720" numCol="1" spcCol="0" rtlCol="0" fromWordArt="0" anchor="ctr" anchorCtr="0" forceAA="0" compatLnSpc="1">
-            <a:prstTxWarp prst="textNoShape">
-              <a:avLst/>
-            </a:prstTxWarp>
-            <a:noAutofit/>
-          </a:bodyPr>
-          <a:lstStyle/>
-          <a:p>
-            <a:pPr algn="ctr"/>
-            <a:endParaRPr lang="ko-KR" altLang="en-US" dirty="0">
-              <a:solidFill>
-                <a:schemeClr val="tx1"/>
-              </a:solidFill>
-            </a:endParaRPr>
-          </a:p>
-        </p:txBody>
-      </p:sp>
-      <p:sp>
-        <p:nvSpPr>
-          <p:cNvPr id="43" name="文字方塊 42"/>
-          <p:cNvSpPr txBox="1"/>
-          <p:nvPr/>
-        </p:nvSpPr>
-        <p:spPr>
-          <a:xfrm>
-            <a:off x="4716016" y="4083918"/>
-            <a:ext cx="1440160" cy="307777"/>
-          </a:xfrm>
-          <a:prstGeom prst="rect">
-            <a:avLst/>
-          </a:prstGeom>
-          <a:noFill/>
-        </p:spPr>
-        <p:txBody>
-          <a:bodyPr wrap="square" rtlCol="0">
-            <a:spAutoFit/>
-          </a:bodyPr>
-          <a:lstStyle/>
-          <a:p>
-            <a:r>
-              <a:rPr lang="zh-TW" altLang="en-US" sz="1400" b="1" dirty="0">
-                <a:solidFill>
-                  <a:schemeClr val="bg1"/>
-                </a:solidFill>
-                <a:latin typeface="微軟正黑體" panose="020B0604030504040204" pitchFamily="34" charset="-120"/>
-                <a:ea typeface="微軟正黑體" panose="020B0604030504040204" pitchFamily="34" charset="-120"/>
-              </a:rPr>
-              <a:t>一般分析條列式</a:t>
-            </a:r>
-          </a:p>
-        </p:txBody>
-      </p:sp>
-      <p:sp>
-        <p:nvSpPr>
-          <p:cNvPr id="44" name="Chevron 10"/>
-          <p:cNvSpPr/>
-          <p:nvPr/>
-        </p:nvSpPr>
-        <p:spPr>
-          <a:xfrm>
-            <a:off x="2483768" y="4011910"/>
-            <a:ext cx="1584176" cy="504056"/>
-          </a:xfrm>
-          <a:prstGeom prst="chevron">
-            <a:avLst>
-              <a:gd name="adj" fmla="val 44855"/>
-            </a:avLst>
-          </a:prstGeom>
-          <a:solidFill>
-            <a:schemeClr val="accent5"/>
+            <a:srgbClr val="00B050"/>
           </a:solidFill>
           <a:ln>
             <a:noFill/>
@@ -10845,13 +10682,13 @@
       </p:sp>
       <p:sp>
         <p:nvSpPr>
-          <p:cNvPr id="46" name="文字方塊 45"/>
+          <p:cNvPr id="48" name="文字方塊 47"/>
           <p:cNvSpPr txBox="1"/>
           <p:nvPr/>
         </p:nvSpPr>
         <p:spPr>
           <a:xfrm>
-            <a:off x="2627784" y="4083918"/>
+            <a:off x="1403648" y="4084021"/>
             <a:ext cx="1296144" cy="307777"/>
           </a:xfrm>
           <a:prstGeom prst="rect">
@@ -10873,76 +10710,118 @@
                 <a:latin typeface="微軟正黑體" panose="020B0604030504040204" pitchFamily="34" charset="-120"/>
                 <a:ea typeface="微軟正黑體" panose="020B0604030504040204" pitchFamily="34" charset="-120"/>
               </a:rPr>
-              <a:t>分析類別選單</a:t>
-            </a:r>
+              <a:t>初始輸入呈現</a:t>
+            </a:r>
+          </a:p>
+        </p:txBody>
+      </p:sp>
+      <p:pic>
+        <p:nvPicPr>
+          <p:cNvPr id="3" name="圖片 2">
+            <a:extLst>
+              <a:ext uri="{FF2B5EF4-FFF2-40B4-BE49-F238E27FC236}">
+                <a16:creationId xmlns:a16="http://schemas.microsoft.com/office/drawing/2014/main" id="{46F24A95-3C0A-4709-8296-FBD334C0AC14}"/>
+              </a:ext>
+            </a:extLst>
+          </p:cNvPr>
+          <p:cNvPicPr>
+            <a:picLocks noChangeAspect="1"/>
+          </p:cNvPicPr>
+          <p:nvPr/>
+        </p:nvPicPr>
+        <p:blipFill>
+          <a:blip r:embed="rId3"/>
+          <a:stretch>
+            <a:fillRect/>
+          </a:stretch>
+        </p:blipFill>
+        <p:spPr>
+          <a:xfrm>
+            <a:off x="971600" y="837248"/>
+            <a:ext cx="2318049" cy="3122399"/>
+          </a:xfrm>
+          <a:prstGeom prst="rect">
+            <a:avLst/>
+          </a:prstGeom>
+        </p:spPr>
+      </p:pic>
+    </p:spTree>
+    <p:extLst>
+      <p:ext uri="{BB962C8B-B14F-4D97-AF65-F5344CB8AC3E}">
+        <p14:creationId xmlns:p14="http://schemas.microsoft.com/office/powerpoint/2010/main" val="3571872843"/>
+      </p:ext>
+    </p:extLst>
+  </p:cSld>
+  <p:clrMapOvr>
+    <a:masterClrMapping/>
+  </p:clrMapOvr>
+</p:sld>
+</file>
+
+<file path=ppt/slides/slide9.xml><?xml version="1.0" encoding="utf-8"?>
+<p:sld xmlns:a="http://schemas.openxmlformats.org/drawingml/2006/main" xmlns:r="http://schemas.openxmlformats.org/officeDocument/2006/relationships" xmlns:p="http://schemas.openxmlformats.org/presentationml/2006/main">
+  <p:cSld>
+    <p:spTree>
+      <p:nvGrpSpPr>
+        <p:cNvPr id="1" name=""/>
+        <p:cNvGrpSpPr/>
+        <p:nvPr/>
+      </p:nvGrpSpPr>
+      <p:grpSpPr>
+        <a:xfrm>
+          <a:off x="0" y="0"/>
+          <a:ext cx="0" cy="0"/>
+          <a:chOff x="0" y="0"/>
+          <a:chExt cx="0" cy="0"/>
+        </a:xfrm>
+      </p:grpSpPr>
+      <p:sp>
+        <p:nvSpPr>
+          <p:cNvPr id="31" name="Title 1"/>
+          <p:cNvSpPr>
+            <a:spLocks noGrp="1"/>
+          </p:cNvSpPr>
+          <p:nvPr>
+            <p:ph type="title"/>
+          </p:nvPr>
+        </p:nvSpPr>
+        <p:spPr>
+          <a:xfrm>
+            <a:off x="179512" y="0"/>
+            <a:ext cx="2051720" cy="884466"/>
+          </a:xfrm>
+        </p:spPr>
+        <p:txBody>
+          <a:bodyPr/>
+          <a:lstStyle/>
+          <a:p>
+            <a:pPr algn="ctr"/>
+            <a:r>
+              <a:rPr lang="zh-TW" altLang="en-US" sz="3600" b="1" dirty="0">
+                <a:solidFill>
+                  <a:schemeClr val="accent5"/>
+                </a:solidFill>
+                <a:latin typeface="微軟正黑體" panose="020B0604030504040204" pitchFamily="34" charset="-120"/>
+                <a:ea typeface="微軟正黑體" panose="020B0604030504040204" pitchFamily="34" charset="-120"/>
+              </a:rPr>
+              <a:t>結果呈現：</a:t>
+            </a:r>
+            <a:endParaRPr lang="ko-KR" altLang="en-US" sz="3600" b="1" dirty="0">
+              <a:latin typeface="微軟正黑體" panose="020B0604030504040204" pitchFamily="34" charset="-120"/>
+            </a:endParaRPr>
           </a:p>
         </p:txBody>
       </p:sp>
       <p:sp>
         <p:nvSpPr>
-          <p:cNvPr id="47" name="Chevron 10"/>
-          <p:cNvSpPr/>
-          <p:nvPr/>
-        </p:nvSpPr>
-        <p:spPr>
-          <a:xfrm>
-            <a:off x="323528" y="4011910"/>
-            <a:ext cx="1584176" cy="504056"/>
-          </a:xfrm>
-          <a:prstGeom prst="chevron">
-            <a:avLst>
-              <a:gd name="adj" fmla="val 44855"/>
-            </a:avLst>
-          </a:prstGeom>
-          <a:solidFill>
-            <a:srgbClr val="00B050"/>
-          </a:solidFill>
-          <a:ln>
-            <a:noFill/>
-          </a:ln>
-        </p:spPr>
-        <p:style>
-          <a:lnRef idx="0">
-            <a:scrgbClr r="0" g="0" b="0"/>
-          </a:lnRef>
-          <a:fillRef idx="0">
-            <a:scrgbClr r="0" g="0" b="0"/>
-          </a:fillRef>
-          <a:effectRef idx="0">
-            <a:scrgbClr r="0" g="0" b="0"/>
-          </a:effectRef>
-          <a:fontRef idx="minor">
-            <a:schemeClr val="lt1"/>
-          </a:fontRef>
-        </p:style>
-        <p:txBody>
-          <a:bodyPr rot="0" spcFirstLastPara="0" vertOverflow="overflow" horzOverflow="overflow" vert="horz" wrap="square" lIns="91440" tIns="45720" rIns="91440" bIns="45720" numCol="1" spcCol="0" rtlCol="0" fromWordArt="0" anchor="ctr" anchorCtr="0" forceAA="0" compatLnSpc="1">
-            <a:prstTxWarp prst="textNoShape">
-              <a:avLst/>
-            </a:prstTxWarp>
-            <a:noAutofit/>
-          </a:bodyPr>
-          <a:lstStyle/>
-          <a:p>
-            <a:pPr algn="ctr"/>
-            <a:endParaRPr lang="ko-KR" altLang="en-US" dirty="0">
-              <a:solidFill>
-                <a:schemeClr val="tx1"/>
-              </a:solidFill>
-            </a:endParaRPr>
-          </a:p>
-        </p:txBody>
-      </p:sp>
-      <p:sp>
-        <p:nvSpPr>
-          <p:cNvPr id="48" name="文字方塊 47"/>
+          <p:cNvPr id="41" name="文字方塊 40"/>
           <p:cNvSpPr txBox="1"/>
           <p:nvPr/>
         </p:nvSpPr>
         <p:spPr>
           <a:xfrm>
-            <a:off x="467544" y="4083918"/>
-            <a:ext cx="1296144" cy="307777"/>
+            <a:off x="7308304" y="4083918"/>
+            <a:ext cx="1440160" cy="307777"/>
           </a:xfrm>
           <a:prstGeom prst="rect">
             <a:avLst/>
@@ -10963,15 +10842,686 @@
                 <a:latin typeface="微軟正黑體" panose="020B0604030504040204" pitchFamily="34" charset="-120"/>
                 <a:ea typeface="微軟正黑體" panose="020B0604030504040204" pitchFamily="34" charset="-120"/>
               </a:rPr>
-              <a:t>初始輸入呈現</a:t>
-            </a:r>
+              <a:t>遊戲指標四向圖</a:t>
+            </a:r>
+          </a:p>
+        </p:txBody>
+      </p:sp>
+      <p:grpSp>
+        <p:nvGrpSpPr>
+          <p:cNvPr id="2" name="群組 1">
+            <a:extLst>
+              <a:ext uri="{FF2B5EF4-FFF2-40B4-BE49-F238E27FC236}">
+                <a16:creationId xmlns:a16="http://schemas.microsoft.com/office/drawing/2014/main" id="{B5695061-E12C-4595-95F4-1F6C5BA97A6A}"/>
+              </a:ext>
+            </a:extLst>
+          </p:cNvPr>
+          <p:cNvGrpSpPr/>
+          <p:nvPr/>
+        </p:nvGrpSpPr>
+        <p:grpSpPr>
+          <a:xfrm>
+            <a:off x="503548" y="3985778"/>
+            <a:ext cx="1800200" cy="504056"/>
+            <a:chOff x="4572000" y="4011910"/>
+            <a:chExt cx="1800200" cy="504056"/>
+          </a:xfrm>
+        </p:grpSpPr>
+        <p:sp>
+          <p:nvSpPr>
+            <p:cNvPr id="42" name="Chevron 11"/>
+            <p:cNvSpPr/>
+            <p:nvPr/>
+          </p:nvSpPr>
+          <p:spPr>
+            <a:xfrm>
+              <a:off x="4572000" y="4011910"/>
+              <a:ext cx="1800200" cy="504056"/>
+            </a:xfrm>
+            <a:prstGeom prst="chevron">
+              <a:avLst>
+                <a:gd name="adj" fmla="val 44855"/>
+              </a:avLst>
+            </a:prstGeom>
+            <a:solidFill>
+              <a:schemeClr val="accent2"/>
+            </a:solidFill>
+            <a:ln>
+              <a:noFill/>
+            </a:ln>
+          </p:spPr>
+          <p:style>
+            <a:lnRef idx="2">
+              <a:schemeClr val="accent1">
+                <a:shade val="50000"/>
+              </a:schemeClr>
+            </a:lnRef>
+            <a:fillRef idx="1">
+              <a:schemeClr val="accent1"/>
+            </a:fillRef>
+            <a:effectRef idx="0">
+              <a:schemeClr val="accent1"/>
+            </a:effectRef>
+            <a:fontRef idx="minor">
+              <a:schemeClr val="lt1"/>
+            </a:fontRef>
+          </p:style>
+          <p:txBody>
+            <a:bodyPr rot="0" spcFirstLastPara="0" vertOverflow="overflow" horzOverflow="overflow" vert="horz" wrap="square" lIns="91440" tIns="45720" rIns="91440" bIns="45720" numCol="1" spcCol="0" rtlCol="0" fromWordArt="0" anchor="ctr" anchorCtr="0" forceAA="0" compatLnSpc="1">
+              <a:prstTxWarp prst="textNoShape">
+                <a:avLst/>
+              </a:prstTxWarp>
+              <a:noAutofit/>
+            </a:bodyPr>
+            <a:lstStyle/>
+            <a:p>
+              <a:pPr algn="ctr"/>
+              <a:endParaRPr lang="ko-KR" altLang="en-US" dirty="0">
+                <a:solidFill>
+                  <a:schemeClr val="tx1"/>
+                </a:solidFill>
+              </a:endParaRPr>
+            </a:p>
+          </p:txBody>
+        </p:sp>
+        <p:sp>
+          <p:nvSpPr>
+            <p:cNvPr id="43" name="文字方塊 42"/>
+            <p:cNvSpPr txBox="1"/>
+            <p:nvPr/>
+          </p:nvSpPr>
+          <p:spPr>
+            <a:xfrm>
+              <a:off x="4716016" y="4083918"/>
+              <a:ext cx="1440160" cy="307777"/>
+            </a:xfrm>
+            <a:prstGeom prst="rect">
+              <a:avLst/>
+            </a:prstGeom>
+            <a:noFill/>
+          </p:spPr>
+          <p:txBody>
+            <a:bodyPr wrap="square" rtlCol="0">
+              <a:spAutoFit/>
+            </a:bodyPr>
+            <a:lstStyle/>
+            <a:p>
+              <a:r>
+                <a:rPr lang="zh-TW" altLang="en-US" sz="1400" b="1" dirty="0">
+                  <a:solidFill>
+                    <a:schemeClr val="bg1"/>
+                  </a:solidFill>
+                  <a:latin typeface="微軟正黑體" panose="020B0604030504040204" pitchFamily="34" charset="-120"/>
+                  <a:ea typeface="微軟正黑體" panose="020B0604030504040204" pitchFamily="34" charset="-120"/>
+                </a:rPr>
+                <a:t>一般分析條列式</a:t>
+              </a:r>
+            </a:p>
+          </p:txBody>
+        </p:sp>
+      </p:grpSp>
+      <p:grpSp>
+        <p:nvGrpSpPr>
+          <p:cNvPr id="16" name="群組 15">
+            <a:extLst>
+              <a:ext uri="{FF2B5EF4-FFF2-40B4-BE49-F238E27FC236}">
+                <a16:creationId xmlns:a16="http://schemas.microsoft.com/office/drawing/2014/main" id="{7B3CFCFB-8031-415A-AA54-D962E3C35784}"/>
+              </a:ext>
+            </a:extLst>
+          </p:cNvPr>
+          <p:cNvGrpSpPr/>
+          <p:nvPr/>
+        </p:nvGrpSpPr>
+        <p:grpSpPr>
+          <a:xfrm>
+            <a:off x="6552220" y="3985778"/>
+            <a:ext cx="1800200" cy="504056"/>
+            <a:chOff x="4572000" y="4011910"/>
+            <a:chExt cx="1800200" cy="504056"/>
+          </a:xfrm>
+        </p:grpSpPr>
+        <p:sp>
+          <p:nvSpPr>
+            <p:cNvPr id="17" name="Chevron 11">
+              <a:extLst>
+                <a:ext uri="{FF2B5EF4-FFF2-40B4-BE49-F238E27FC236}">
+                  <a16:creationId xmlns:a16="http://schemas.microsoft.com/office/drawing/2014/main" id="{10C669D4-31DE-4E5A-8D00-FB1B45F06700}"/>
+                </a:ext>
+              </a:extLst>
+            </p:cNvPr>
+            <p:cNvSpPr/>
+            <p:nvPr/>
+          </p:nvSpPr>
+          <p:spPr>
+            <a:xfrm>
+              <a:off x="4572000" y="4011910"/>
+              <a:ext cx="1800200" cy="504056"/>
+            </a:xfrm>
+            <a:prstGeom prst="chevron">
+              <a:avLst>
+                <a:gd name="adj" fmla="val 44855"/>
+              </a:avLst>
+            </a:prstGeom>
+            <a:solidFill>
+              <a:schemeClr val="accent1"/>
+            </a:solidFill>
+            <a:ln>
+              <a:noFill/>
+            </a:ln>
+          </p:spPr>
+          <p:style>
+            <a:lnRef idx="0">
+              <a:scrgbClr r="0" g="0" b="0"/>
+            </a:lnRef>
+            <a:fillRef idx="0">
+              <a:scrgbClr r="0" g="0" b="0"/>
+            </a:fillRef>
+            <a:effectRef idx="0">
+              <a:scrgbClr r="0" g="0" b="0"/>
+            </a:effectRef>
+            <a:fontRef idx="minor">
+              <a:schemeClr val="lt1"/>
+            </a:fontRef>
+          </p:style>
+          <p:txBody>
+            <a:bodyPr rot="0" spcFirstLastPara="0" vertOverflow="overflow" horzOverflow="overflow" vert="horz" wrap="square" lIns="91440" tIns="45720" rIns="91440" bIns="45720" numCol="1" spcCol="0" rtlCol="0" fromWordArt="0" anchor="ctr" anchorCtr="0" forceAA="0" compatLnSpc="1">
+              <a:prstTxWarp prst="textNoShape">
+                <a:avLst/>
+              </a:prstTxWarp>
+              <a:noAutofit/>
+            </a:bodyPr>
+            <a:lstStyle/>
+            <a:p>
+              <a:pPr algn="ctr"/>
+              <a:endParaRPr lang="ko-KR" altLang="en-US" dirty="0">
+                <a:solidFill>
+                  <a:schemeClr val="tx1"/>
+                </a:solidFill>
+              </a:endParaRPr>
+            </a:p>
+          </p:txBody>
+        </p:sp>
+        <p:sp>
+          <p:nvSpPr>
+            <p:cNvPr id="18" name="文字方塊 17">
+              <a:extLst>
+                <a:ext uri="{FF2B5EF4-FFF2-40B4-BE49-F238E27FC236}">
+                  <a16:creationId xmlns:a16="http://schemas.microsoft.com/office/drawing/2014/main" id="{3D47005F-5FDB-4455-87D3-7E83E6766D21}"/>
+                </a:ext>
+              </a:extLst>
+            </p:cNvPr>
+            <p:cNvSpPr txBox="1"/>
+            <p:nvPr/>
+          </p:nvSpPr>
+          <p:spPr>
+            <a:xfrm>
+              <a:off x="4716016" y="4083918"/>
+              <a:ext cx="1440160" cy="307777"/>
+            </a:xfrm>
+            <a:prstGeom prst="rect">
+              <a:avLst/>
+            </a:prstGeom>
+            <a:noFill/>
+          </p:spPr>
+          <p:txBody>
+            <a:bodyPr wrap="square" rtlCol="0">
+              <a:spAutoFit/>
+            </a:bodyPr>
+            <a:lstStyle/>
+            <a:p>
+              <a:r>
+                <a:rPr lang="zh-TW" altLang="en-US" sz="1400" b="1" dirty="0">
+                  <a:solidFill>
+                    <a:schemeClr val="bg1"/>
+                  </a:solidFill>
+                  <a:latin typeface="微軟正黑體" panose="020B0604030504040204" pitchFamily="34" charset="-120"/>
+                  <a:ea typeface="微軟正黑體" panose="020B0604030504040204" pitchFamily="34" charset="-120"/>
+                </a:rPr>
+                <a:t>遊戲指標四向圖</a:t>
+              </a:r>
+            </a:p>
+          </p:txBody>
+        </p:sp>
+      </p:grpSp>
+      <p:pic>
+        <p:nvPicPr>
+          <p:cNvPr id="3" name="圖片 2">
+            <a:extLst>
+              <a:ext uri="{FF2B5EF4-FFF2-40B4-BE49-F238E27FC236}">
+                <a16:creationId xmlns:a16="http://schemas.microsoft.com/office/drawing/2014/main" id="{E7D29F6E-CE5D-4AC0-B41E-D33E3EEFBFF4}"/>
+              </a:ext>
+            </a:extLst>
+          </p:cNvPr>
+          <p:cNvPicPr>
+            <a:picLocks noChangeAspect="1"/>
+          </p:cNvPicPr>
+          <p:nvPr/>
+        </p:nvPicPr>
+        <p:blipFill>
+          <a:blip r:embed="rId2"/>
+          <a:stretch>
+            <a:fillRect/>
+          </a:stretch>
+        </p:blipFill>
+        <p:spPr>
+          <a:xfrm>
+            <a:off x="107505" y="843558"/>
+            <a:ext cx="2592287" cy="2939105"/>
+          </a:xfrm>
+          <a:prstGeom prst="rect">
+            <a:avLst/>
+          </a:prstGeom>
+        </p:spPr>
+      </p:pic>
+      <p:pic>
+        <p:nvPicPr>
+          <p:cNvPr id="6" name="圖片 5">
+            <a:extLst>
+              <a:ext uri="{FF2B5EF4-FFF2-40B4-BE49-F238E27FC236}">
+                <a16:creationId xmlns:a16="http://schemas.microsoft.com/office/drawing/2014/main" id="{9A11AB58-B2BE-4576-93D4-D8289EDF2B34}"/>
+              </a:ext>
+            </a:extLst>
+          </p:cNvPr>
+          <p:cNvPicPr>
+            <a:picLocks noChangeAspect="1"/>
+          </p:cNvPicPr>
+          <p:nvPr/>
+        </p:nvPicPr>
+        <p:blipFill rotWithShape="1">
+          <a:blip r:embed="rId3"/>
+          <a:srcRect l="15897" t="3794" r="12566" b="6122"/>
+          <a:stretch/>
+        </p:blipFill>
+        <p:spPr>
+          <a:xfrm>
+            <a:off x="6228184" y="1088974"/>
+            <a:ext cx="2592287" cy="2448271"/>
+          </a:xfrm>
+          <a:prstGeom prst="rect">
+            <a:avLst/>
+          </a:prstGeom>
+        </p:spPr>
+      </p:pic>
+      <p:sp>
+        <p:nvSpPr>
+          <p:cNvPr id="45" name="TextBox 5">
+            <a:extLst>
+              <a:ext uri="{FF2B5EF4-FFF2-40B4-BE49-F238E27FC236}">
+                <a16:creationId xmlns:a16="http://schemas.microsoft.com/office/drawing/2014/main" id="{B46E0278-56BC-4D99-85C7-3261583CA6F7}"/>
+              </a:ext>
+            </a:extLst>
+          </p:cNvPr>
+          <p:cNvSpPr txBox="1"/>
+          <p:nvPr/>
+        </p:nvSpPr>
+        <p:spPr>
+          <a:xfrm>
+            <a:off x="2872072" y="895999"/>
+            <a:ext cx="2592287" cy="646331"/>
+          </a:xfrm>
+          <a:prstGeom prst="rect">
+            <a:avLst/>
+          </a:prstGeom>
+          <a:noFill/>
+        </p:spPr>
+        <p:txBody>
+          <a:bodyPr wrap="square" rtlCol="0">
+            <a:spAutoFit/>
+          </a:bodyPr>
+          <a:lstStyle/>
+          <a:p>
+            <a:pPr marL="285750" indent="-285750">
+              <a:buFont typeface="Arial" panose="020B0604020202020204" pitchFamily="34" charset="0"/>
+              <a:buChar char="•"/>
+            </a:pPr>
+            <a:r>
+              <a:rPr lang="zh-TW" altLang="en-US" sz="1200" b="1" dirty="0">
+                <a:latin typeface="微軟正黑體" panose="020B0604030504040204" pitchFamily="34" charset="-120"/>
+                <a:ea typeface="微軟正黑體" panose="020B0604030504040204" pitchFamily="34" charset="-120"/>
+              </a:rPr>
+              <a:t>遊戲勝率越高</a:t>
+            </a:r>
+            <a:br>
+              <a:rPr lang="en-US" altLang="zh-TW" sz="1200" b="1" dirty="0">
+                <a:latin typeface="微軟正黑體" panose="020B0604030504040204" pitchFamily="34" charset="-120"/>
+                <a:ea typeface="微軟正黑體" panose="020B0604030504040204" pitchFamily="34" charset="-120"/>
+              </a:rPr>
+            </a:br>
+            <a:r>
+              <a:rPr lang="zh-TW" altLang="en-US" sz="1200" b="1" dirty="0">
+                <a:latin typeface="微軟正黑體" panose="020B0604030504040204" pitchFamily="34" charset="-120"/>
+                <a:ea typeface="微軟正黑體" panose="020B0604030504040204" pitchFamily="34" charset="-120"/>
+              </a:rPr>
+              <a:t>→遊戲表現分析</a:t>
+            </a:r>
+            <a:r>
+              <a:rPr lang="en-US" altLang="zh-TW" sz="1200" b="1" dirty="0">
+                <a:latin typeface="微軟正黑體" panose="020B0604030504040204" pitchFamily="34" charset="-120"/>
+                <a:ea typeface="微軟正黑體" panose="020B0604030504040204" pitchFamily="34" charset="-120"/>
+              </a:rPr>
+              <a:t>(</a:t>
+            </a:r>
+            <a:r>
+              <a:rPr lang="zh-TW" altLang="en-US" sz="1200" b="1" dirty="0">
+                <a:latin typeface="微軟正黑體" panose="020B0604030504040204" pitchFamily="34" charset="-120"/>
+                <a:ea typeface="微軟正黑體" panose="020B0604030504040204" pitchFamily="34" charset="-120"/>
+              </a:rPr>
+              <a:t>四項指標</a:t>
+            </a:r>
+            <a:r>
+              <a:rPr lang="en-US" altLang="zh-TW" sz="1200" b="1" dirty="0">
+                <a:latin typeface="微軟正黑體" panose="020B0604030504040204" pitchFamily="34" charset="-120"/>
+                <a:ea typeface="微軟正黑體" panose="020B0604030504040204" pitchFamily="34" charset="-120"/>
+              </a:rPr>
+              <a:t>)</a:t>
+            </a:r>
+            <a:r>
+              <a:rPr lang="zh-TW" altLang="en-US" sz="1200" b="1" dirty="0">
+                <a:latin typeface="微軟正黑體" panose="020B0604030504040204" pitchFamily="34" charset="-120"/>
+                <a:ea typeface="微軟正黑體" panose="020B0604030504040204" pitchFamily="34" charset="-120"/>
+              </a:rPr>
+              <a:t>越好</a:t>
+            </a:r>
+            <a:br>
+              <a:rPr lang="en-US" altLang="zh-TW" sz="1200" b="1" dirty="0">
+                <a:latin typeface="微軟正黑體" panose="020B0604030504040204" pitchFamily="34" charset="-120"/>
+                <a:ea typeface="微軟正黑體" panose="020B0604030504040204" pitchFamily="34" charset="-120"/>
+              </a:rPr>
+            </a:br>
+            <a:r>
+              <a:rPr lang="zh-TW" altLang="en-US" sz="1200" b="1" dirty="0">
+                <a:solidFill>
+                  <a:srgbClr val="FF0000"/>
+                </a:solidFill>
+                <a:latin typeface="微軟正黑體" panose="020B0604030504040204" pitchFamily="34" charset="-120"/>
+                <a:ea typeface="微軟正黑體" panose="020B0604030504040204" pitchFamily="34" charset="-120"/>
+              </a:rPr>
+              <a:t>→部分符合</a:t>
+            </a:r>
+            <a:endParaRPr lang="en-US" altLang="zh-TW" sz="1200" b="1" dirty="0">
+              <a:solidFill>
+                <a:srgbClr val="FF0000"/>
+              </a:solidFill>
+              <a:latin typeface="微軟正黑體" panose="020B0604030504040204" pitchFamily="34" charset="-120"/>
+              <a:ea typeface="微軟正黑體" panose="020B0604030504040204" pitchFamily="34" charset="-120"/>
+            </a:endParaRPr>
+          </a:p>
+        </p:txBody>
+      </p:sp>
+      <p:sp>
+        <p:nvSpPr>
+          <p:cNvPr id="49" name="TextBox 5">
+            <a:extLst>
+              <a:ext uri="{FF2B5EF4-FFF2-40B4-BE49-F238E27FC236}">
+                <a16:creationId xmlns:a16="http://schemas.microsoft.com/office/drawing/2014/main" id="{A1418820-8CA1-41D3-BC90-F72061EDCDF5}"/>
+              </a:ext>
+            </a:extLst>
+          </p:cNvPr>
+          <p:cNvSpPr txBox="1"/>
+          <p:nvPr/>
+        </p:nvSpPr>
+        <p:spPr>
+          <a:xfrm>
+            <a:off x="2872072" y="1646087"/>
+            <a:ext cx="2195195" cy="830997"/>
+          </a:xfrm>
+          <a:prstGeom prst="rect">
+            <a:avLst/>
+          </a:prstGeom>
+          <a:noFill/>
+        </p:spPr>
+        <p:txBody>
+          <a:bodyPr wrap="square" rtlCol="0">
+            <a:spAutoFit/>
+          </a:bodyPr>
+          <a:lstStyle/>
+          <a:p>
+            <a:pPr marL="285750" indent="-285750">
+              <a:buFont typeface="Arial" panose="020B0604020202020204" pitchFamily="34" charset="0"/>
+              <a:buChar char="•"/>
+            </a:pPr>
+            <a:r>
+              <a:rPr lang="zh-TW" altLang="en-US" sz="1200" b="1" dirty="0">
+                <a:latin typeface="微軟正黑體" panose="020B0604030504040204" pitchFamily="34" charset="-120"/>
+                <a:ea typeface="微軟正黑體" panose="020B0604030504040204" pitchFamily="34" charset="-120"/>
+              </a:rPr>
+              <a:t>英雄使用率越高</a:t>
+            </a:r>
+            <a:br>
+              <a:rPr lang="en-US" altLang="zh-TW" sz="1200" b="1" dirty="0">
+                <a:latin typeface="微軟正黑體" panose="020B0604030504040204" pitchFamily="34" charset="-120"/>
+                <a:ea typeface="微軟正黑體" panose="020B0604030504040204" pitchFamily="34" charset="-120"/>
+              </a:rPr>
+            </a:br>
+            <a:r>
+              <a:rPr lang="zh-TW" altLang="en-US" sz="1200" b="1" dirty="0">
+                <a:latin typeface="微軟正黑體" panose="020B0604030504040204" pitchFamily="34" charset="-120"/>
+                <a:ea typeface="微軟正黑體" panose="020B0604030504040204" pitchFamily="34" charset="-120"/>
+              </a:rPr>
+              <a:t>→英雄勝率越高</a:t>
+            </a:r>
+            <a:br>
+              <a:rPr lang="en-US" altLang="zh-TW" sz="1200" b="1" dirty="0">
+                <a:latin typeface="微軟正黑體" panose="020B0604030504040204" pitchFamily="34" charset="-120"/>
+                <a:ea typeface="微軟正黑體" panose="020B0604030504040204" pitchFamily="34" charset="-120"/>
+              </a:rPr>
+            </a:br>
+            <a:r>
+              <a:rPr lang="zh-TW" altLang="en-US" sz="1200" b="1" dirty="0">
+                <a:solidFill>
+                  <a:srgbClr val="FF0000"/>
+                </a:solidFill>
+                <a:latin typeface="微軟正黑體" panose="020B0604030504040204" pitchFamily="34" charset="-120"/>
+                <a:ea typeface="微軟正黑體" panose="020B0604030504040204" pitchFamily="34" charset="-120"/>
+              </a:rPr>
+              <a:t>→部分符合</a:t>
+            </a:r>
+            <a:br>
+              <a:rPr lang="en-US" altLang="zh-TW" sz="1200" b="1" dirty="0">
+                <a:solidFill>
+                  <a:srgbClr val="FF0000"/>
+                </a:solidFill>
+                <a:latin typeface="微軟正黑體" panose="020B0604030504040204" pitchFamily="34" charset="-120"/>
+                <a:ea typeface="微軟正黑體" panose="020B0604030504040204" pitchFamily="34" charset="-120"/>
+              </a:rPr>
+            </a:br>
+            <a:r>
+              <a:rPr lang="en-US" altLang="zh-TW" sz="1200" b="1" dirty="0">
+                <a:solidFill>
+                  <a:srgbClr val="FF0000"/>
+                </a:solidFill>
+                <a:latin typeface="微軟正黑體" panose="020B0604030504040204" pitchFamily="34" charset="-120"/>
+                <a:ea typeface="微軟正黑體" panose="020B0604030504040204" pitchFamily="34" charset="-120"/>
+              </a:rPr>
+              <a:t>(</a:t>
+            </a:r>
+            <a:r>
+              <a:rPr lang="zh-TW" altLang="en-US" sz="1200" b="1" dirty="0">
+                <a:solidFill>
+                  <a:srgbClr val="FF0000"/>
+                </a:solidFill>
+                <a:latin typeface="微軟正黑體" panose="020B0604030504040204" pitchFamily="34" charset="-120"/>
+                <a:ea typeface="微軟正黑體" panose="020B0604030504040204" pitchFamily="34" charset="-120"/>
+              </a:rPr>
+              <a:t>可能受極端質影響</a:t>
+            </a:r>
+            <a:r>
+              <a:rPr lang="en-US" altLang="zh-TW" sz="1200" b="1" dirty="0">
+                <a:solidFill>
+                  <a:srgbClr val="FF0000"/>
+                </a:solidFill>
+                <a:latin typeface="微軟正黑體" panose="020B0604030504040204" pitchFamily="34" charset="-120"/>
+                <a:ea typeface="微軟正黑體" panose="020B0604030504040204" pitchFamily="34" charset="-120"/>
+              </a:rPr>
+              <a:t>)</a:t>
+            </a:r>
+          </a:p>
+        </p:txBody>
+      </p:sp>
+      <p:sp>
+        <p:nvSpPr>
+          <p:cNvPr id="50" name="TextBox 5">
+            <a:extLst>
+              <a:ext uri="{FF2B5EF4-FFF2-40B4-BE49-F238E27FC236}">
+                <a16:creationId xmlns:a16="http://schemas.microsoft.com/office/drawing/2014/main" id="{5DA64173-CC9C-4AED-8BFD-5FBF57F3B108}"/>
+              </a:ext>
+            </a:extLst>
+          </p:cNvPr>
+          <p:cNvSpPr txBox="1"/>
+          <p:nvPr/>
+        </p:nvSpPr>
+        <p:spPr>
+          <a:xfrm>
+            <a:off x="2872072" y="2599588"/>
+            <a:ext cx="2895399" cy="1015663"/>
+          </a:xfrm>
+          <a:prstGeom prst="rect">
+            <a:avLst/>
+          </a:prstGeom>
+          <a:noFill/>
+        </p:spPr>
+        <p:txBody>
+          <a:bodyPr wrap="square" rtlCol="0">
+            <a:spAutoFit/>
+          </a:bodyPr>
+          <a:lstStyle/>
+          <a:p>
+            <a:pPr marL="285750" indent="-285750">
+              <a:buFont typeface="Arial" panose="020B0604020202020204" pitchFamily="34" charset="0"/>
+              <a:buChar char="•"/>
+            </a:pPr>
+            <a:r>
+              <a:rPr lang="en-US" altLang="zh-TW" sz="1200" b="1" dirty="0">
+                <a:latin typeface="微軟正黑體" panose="020B0604030504040204" pitchFamily="34" charset="-120"/>
+                <a:ea typeface="微軟正黑體" panose="020B0604030504040204" pitchFamily="34" charset="-120"/>
+              </a:rPr>
+              <a:t>GPM</a:t>
+            </a:r>
+            <a:r>
+              <a:rPr lang="zh-TW" altLang="en-US" sz="1200" b="1" dirty="0">
+                <a:latin typeface="微軟正黑體" panose="020B0604030504040204" pitchFamily="34" charset="-120"/>
+                <a:ea typeface="微軟正黑體" panose="020B0604030504040204" pitchFamily="34" charset="-120"/>
+              </a:rPr>
+              <a:t>、</a:t>
+            </a:r>
+            <a:r>
+              <a:rPr lang="en-US" altLang="zh-TW" sz="1200" b="1" dirty="0">
+                <a:latin typeface="微軟正黑體" panose="020B0604030504040204" pitchFamily="34" charset="-120"/>
+                <a:ea typeface="微軟正黑體" panose="020B0604030504040204" pitchFamily="34" charset="-120"/>
+              </a:rPr>
+              <a:t>CSPM</a:t>
+            </a:r>
+            <a:r>
+              <a:rPr lang="zh-TW" altLang="en-US" sz="1200" b="1" dirty="0">
+                <a:latin typeface="微軟正黑體" panose="020B0604030504040204" pitchFamily="34" charset="-120"/>
+                <a:ea typeface="微軟正黑體" panose="020B0604030504040204" pitchFamily="34" charset="-120"/>
+              </a:rPr>
+              <a:t>高，獲得很多經濟，</a:t>
+            </a:r>
+            <a:endParaRPr lang="en-US" altLang="zh-TW" sz="1200" b="1" dirty="0">
+              <a:latin typeface="微軟正黑體" panose="020B0604030504040204" pitchFamily="34" charset="-120"/>
+              <a:ea typeface="微軟正黑體" panose="020B0604030504040204" pitchFamily="34" charset="-120"/>
+            </a:endParaRPr>
+          </a:p>
+          <a:p>
+            <a:pPr marL="285750" indent="-285750">
+              <a:buFont typeface="Arial" panose="020B0604020202020204" pitchFamily="34" charset="0"/>
+              <a:buChar char="•"/>
+            </a:pPr>
+            <a:r>
+              <a:rPr lang="zh-TW" altLang="en-US" sz="1200" b="1" dirty="0">
+                <a:latin typeface="微軟正黑體" panose="020B0604030504040204" pitchFamily="34" charset="-120"/>
+                <a:ea typeface="微軟正黑體" panose="020B0604030504040204" pitchFamily="34" charset="-120"/>
+              </a:rPr>
+              <a:t>但</a:t>
+            </a:r>
+            <a:r>
+              <a:rPr lang="en-US" altLang="zh-TW" sz="1200" b="1" dirty="0">
+                <a:latin typeface="微軟正黑體" panose="020B0604030504040204" pitchFamily="34" charset="-120"/>
+                <a:ea typeface="微軟正黑體" panose="020B0604030504040204" pitchFamily="34" charset="-120"/>
+              </a:rPr>
+              <a:t>KDA</a:t>
+            </a:r>
+            <a:r>
+              <a:rPr lang="zh-TW" altLang="en-US" sz="1200" b="1" dirty="0">
+                <a:latin typeface="微軟正黑體" panose="020B0604030504040204" pitchFamily="34" charset="-120"/>
+                <a:ea typeface="微軟正黑體" panose="020B0604030504040204" pitchFamily="34" charset="-120"/>
+              </a:rPr>
+              <a:t>、</a:t>
+            </a:r>
+            <a:r>
+              <a:rPr lang="en-US" altLang="zh-TW" sz="1200" b="1" dirty="0">
+                <a:latin typeface="微軟正黑體" panose="020B0604030504040204" pitchFamily="34" charset="-120"/>
+                <a:ea typeface="微軟正黑體" panose="020B0604030504040204" pitchFamily="34" charset="-120"/>
+              </a:rPr>
+              <a:t>DPM</a:t>
+            </a:r>
+            <a:r>
+              <a:rPr lang="zh-TW" altLang="en-US" sz="1200" b="1" dirty="0">
+                <a:latin typeface="微軟正黑體" panose="020B0604030504040204" pitchFamily="34" charset="-120"/>
+                <a:ea typeface="微軟正黑體" panose="020B0604030504040204" pitchFamily="34" charset="-120"/>
+              </a:rPr>
+              <a:t>較低</a:t>
+            </a:r>
+            <a:br>
+              <a:rPr lang="en-US" altLang="zh-TW" sz="1200" b="1" dirty="0">
+                <a:latin typeface="微軟正黑體" panose="020B0604030504040204" pitchFamily="34" charset="-120"/>
+                <a:ea typeface="微軟正黑體" panose="020B0604030504040204" pitchFamily="34" charset="-120"/>
+              </a:rPr>
+            </a:br>
+            <a:r>
+              <a:rPr lang="zh-TW" altLang="en-US" sz="1200" b="1" dirty="0">
+                <a:solidFill>
+                  <a:srgbClr val="FF0000"/>
+                </a:solidFill>
+                <a:latin typeface="微軟正黑體" panose="020B0604030504040204" pitchFamily="34" charset="-120"/>
+                <a:ea typeface="微軟正黑體" panose="020B0604030504040204" pitchFamily="34" charset="-120"/>
+              </a:rPr>
+              <a:t>→遊戲表現不如預期</a:t>
+            </a:r>
+            <a:br>
+              <a:rPr lang="en-US" altLang="zh-TW" sz="1200" b="1" dirty="0">
+                <a:solidFill>
+                  <a:srgbClr val="FF0000"/>
+                </a:solidFill>
+                <a:latin typeface="微軟正黑體" panose="020B0604030504040204" pitchFamily="34" charset="-120"/>
+                <a:ea typeface="微軟正黑體" panose="020B0604030504040204" pitchFamily="34" charset="-120"/>
+              </a:rPr>
+            </a:br>
+            <a:r>
+              <a:rPr lang="zh-TW" altLang="en-US" sz="1200" b="1" dirty="0">
+                <a:solidFill>
+                  <a:srgbClr val="FF0000"/>
+                </a:solidFill>
+                <a:latin typeface="微軟正黑體" panose="020B0604030504040204" pitchFamily="34" charset="-120"/>
+                <a:ea typeface="微軟正黑體" panose="020B0604030504040204" pitchFamily="34" charset="-120"/>
+              </a:rPr>
+              <a:t>→建議改變角色定位</a:t>
+            </a:r>
+            <a:endParaRPr lang="en-US" altLang="zh-TW" sz="1200" b="1" dirty="0">
+              <a:solidFill>
+                <a:srgbClr val="FF0000"/>
+              </a:solidFill>
+              <a:latin typeface="微軟正黑體" panose="020B0604030504040204" pitchFamily="34" charset="-120"/>
+              <a:ea typeface="微軟正黑體" panose="020B0604030504040204" pitchFamily="34" charset="-120"/>
+            </a:endParaRPr>
+          </a:p>
+          <a:p>
+            <a:pPr marL="285750" indent="-285750">
+              <a:buFont typeface="Arial" panose="020B0604020202020204" pitchFamily="34" charset="0"/>
+              <a:buChar char="•"/>
+            </a:pPr>
+            <a:endParaRPr lang="en-US" altLang="zh-TW" sz="1200" b="1" dirty="0">
+              <a:latin typeface="微軟正黑體" panose="020B0604030504040204" pitchFamily="34" charset="-120"/>
+              <a:ea typeface="微軟正黑體" panose="020B0604030504040204" pitchFamily="34" charset="-120"/>
+            </a:endParaRPr>
           </a:p>
         </p:txBody>
       </p:sp>
     </p:spTree>
     <p:extLst>
       <p:ext uri="{BB962C8B-B14F-4D97-AF65-F5344CB8AC3E}">
-        <p14:creationId xmlns:p14="http://schemas.microsoft.com/office/powerpoint/2010/main" val="3571872843"/>
+        <p14:creationId xmlns:p14="http://schemas.microsoft.com/office/powerpoint/2010/main" val="1558653943"/>
       </p:ext>
     </p:extLst>
   </p:cSld>
